--- a/trunk/doc/Présentations/Projet Courchevel - Bilan intermédiaire 3.pptx
+++ b/trunk/doc/Présentations/Projet Courchevel - Bilan intermédiaire 3.pptx
@@ -5561,13 +5561,6 @@
               </a:rPr>
               <a:t>Conception</a:t>
             </a:r>
-            <a:endParaRPr lang="fr-FR" dirty="0" smtClean="0">
-              <a:solidFill>
-                <a:schemeClr val="bg1">
-                  <a:lumMod val="65000"/>
-                </a:schemeClr>
-              </a:solidFill>
-            </a:endParaRPr>
           </a:p>
           <a:p>
             <a:pPr>
@@ -6170,7 +6163,6 @@
               <a:rPr lang="fr-FR" dirty="0" smtClean="0"/>
               <a:t>Conception</a:t>
             </a:r>
-            <a:endParaRPr lang="fr-FR" dirty="0" smtClean="0"/>
           </a:p>
           <a:p>
             <a:pPr>
@@ -6193,7 +6185,6 @@
               <a:rPr lang="fr-FR" dirty="0" smtClean="0"/>
               <a:t>Bilan</a:t>
             </a:r>
-            <a:endParaRPr lang="fr-FR" dirty="0" smtClean="0"/>
           </a:p>
           <a:p>
             <a:pPr>
@@ -6957,13 +6948,6 @@
               </a:rPr>
               <a:t>Conception</a:t>
             </a:r>
-            <a:endParaRPr lang="fr-FR" dirty="0" smtClean="0">
-              <a:solidFill>
-                <a:schemeClr val="bg1">
-                  <a:lumMod val="65000"/>
-                </a:schemeClr>
-              </a:solidFill>
-            </a:endParaRPr>
           </a:p>
           <a:p>
             <a:pPr>
@@ -7444,7 +7428,7 @@
       </p:grpSpPr>
       <p:pic>
         <p:nvPicPr>
-          <p:cNvPr id="24578" name="Picture 2" descr="C:\Users\Micka\Pictures\Courchevel presentation 3\07accredGroupe3.PNG"/>
+          <p:cNvPr id="2050" name="Picture 2" descr="C:\Users\Micka\Pictures\Courchevel presentation 3\07accredGroupe3.PNG"/>
           <p:cNvPicPr>
             <a:picLocks noChangeAspect="1" noChangeArrowheads="1"/>
           </p:cNvPicPr>
@@ -7459,8 +7443,8 @@
         </p:blipFill>
         <p:spPr bwMode="auto">
           <a:xfrm>
-            <a:off x="150798" y="548680"/>
-            <a:ext cx="8885698" cy="5638681"/>
+            <a:off x="0" y="795278"/>
+            <a:ext cx="9144000" cy="5802074"/>
           </a:xfrm>
           <a:prstGeom prst="rect">
             <a:avLst/>
@@ -7633,8 +7617,8 @@
         </p:blipFill>
         <p:spPr bwMode="auto">
           <a:xfrm>
-            <a:off x="-99242" y="-27384"/>
-            <a:ext cx="9279754" cy="3312368"/>
+            <a:off x="0" y="-27384"/>
+            <a:ext cx="9180512" cy="3276944"/>
           </a:xfrm>
           <a:prstGeom prst="rect">
             <a:avLst/>
@@ -7857,7 +7841,7 @@
       </p:grpSpPr>
       <p:pic>
         <p:nvPicPr>
-          <p:cNvPr id="28674" name="Picture 2" descr="C:\Users\Micka\Pictures\Courchevel presentation 3\08voir6.PNG"/>
+          <p:cNvPr id="1026" name="Picture 2" descr="C:\Users\Micka\Pictures\Courchevel presentation 3\08voir6.PNG"/>
           <p:cNvPicPr>
             <a:picLocks noChangeAspect="1" noChangeArrowheads="1"/>
           </p:cNvPicPr>
@@ -7872,8 +7856,8 @@
         </p:blipFill>
         <p:spPr bwMode="auto">
           <a:xfrm>
-            <a:off x="179512" y="1916832"/>
-            <a:ext cx="8784976" cy="2376264"/>
+            <a:off x="0" y="1340768"/>
+            <a:ext cx="9144000" cy="2880320"/>
           </a:xfrm>
           <a:prstGeom prst="rect">
             <a:avLst/>
@@ -8056,7 +8040,6 @@
               <a:rPr lang="fr-FR" dirty="0" smtClean="0"/>
               <a:t>Bilan</a:t>
             </a:r>
-            <a:endParaRPr lang="fr-FR" dirty="0" smtClean="0"/>
           </a:p>
         </p:txBody>
       </p:sp>
@@ -9222,13 +9205,6 @@
               </a:rPr>
               <a:t>  Présentation</a:t>
             </a:r>
-            <a:endParaRPr lang="fr-FR" sz="3200" dirty="0" smtClean="0">
-              <a:solidFill>
-                <a:schemeClr val="bg1">
-                  <a:lumMod val="65000"/>
-                </a:schemeClr>
-              </a:solidFill>
-            </a:endParaRPr>
           </a:p>
           <a:p>
             <a:pPr>
@@ -9242,7 +9218,6 @@
               <a:rPr lang="fr-FR" sz="3200" dirty="0" smtClean="0"/>
               <a:t>  Conception</a:t>
             </a:r>
-            <a:endParaRPr lang="fr-FR" sz="3200" dirty="0" smtClean="0"/>
           </a:p>
           <a:p>
             <a:pPr>
@@ -9262,13 +9237,6 @@
               </a:rPr>
               <a:t>  Travail réalisé</a:t>
             </a:r>
-            <a:endParaRPr lang="fr-FR" sz="3200" dirty="0" smtClean="0">
-              <a:solidFill>
-                <a:schemeClr val="bg1">
-                  <a:lumMod val="65000"/>
-                </a:schemeClr>
-              </a:solidFill>
-            </a:endParaRPr>
           </a:p>
           <a:p>
             <a:pPr>
@@ -9288,13 +9256,6 @@
               </a:rPr>
               <a:t>  Bilan</a:t>
             </a:r>
-            <a:endParaRPr lang="fr-FR" sz="3200" dirty="0" smtClean="0">
-              <a:solidFill>
-                <a:schemeClr val="bg1">
-                  <a:lumMod val="65000"/>
-                </a:schemeClr>
-              </a:solidFill>
-            </a:endParaRPr>
           </a:p>
         </p:txBody>
       </p:sp>
